--- a/Präsentation/Abschlusspräsentation.pptx
+++ b/Präsentation/Abschlusspräsentation.pptx
@@ -5,7 +5,7 @@
     <p:sldMasterId id="2147483648" r:id="rId1"/>
   </p:sldMasterIdLst>
   <p:notesMasterIdLst>
-    <p:notesMasterId r:id="rId12"/>
+    <p:notesMasterId r:id="rId13"/>
   </p:notesMasterIdLst>
   <p:sldIdLst>
     <p:sldId id="256" r:id="rId2"/>
@@ -15,9 +15,10 @@
     <p:sldId id="269" r:id="rId6"/>
     <p:sldId id="268" r:id="rId7"/>
     <p:sldId id="270" r:id="rId8"/>
-    <p:sldId id="264" r:id="rId9"/>
-    <p:sldId id="265" r:id="rId10"/>
-    <p:sldId id="267" r:id="rId11"/>
+    <p:sldId id="271" r:id="rId9"/>
+    <p:sldId id="264" r:id="rId10"/>
+    <p:sldId id="265" r:id="rId11"/>
+    <p:sldId id="267" r:id="rId12"/>
   </p:sldIdLst>
   <p:sldSz cx="9144000" cy="6858000" type="screen4x3"/>
   <p:notesSz cx="6858000" cy="9144000"/>
@@ -146,6 +147,11 @@
       </a:defRPr>
     </a:lvl9pPr>
   </p:defaultTextStyle>
+  <p:extLst>
+    <p:ext uri="{EFAFB233-063F-42B5-8137-9DF3F51BA10A}">
+      <p15:sldGuideLst xmlns:p15="http://schemas.microsoft.com/office/powerpoint/2012/main"/>
+    </p:ext>
+  </p:extLst>
 </p:presentation>
 </file>
 
@@ -344,7 +350,7 @@
             </a:extLst>
           </p:cNvPr>
           <p:cNvSpPr>
-            <a:spLocks noRot="1" noChangeArrowheads="1" noTextEdit="1"/>
+            <a:spLocks noGrp="1" noRot="1" noChangeAspect="1" noChangeArrowheads="1" noTextEdit="1"/>
           </p:cNvSpPr>
           <p:nvPr>
             <p:ph type="sldImg" idx="2"/>
@@ -2692,6 +2698,162 @@
           <p:cNvPr id="2" name="Titel 1">
             <a:extLst>
               <a:ext uri="{FF2B5EF4-FFF2-40B4-BE49-F238E27FC236}">
+                <a16:creationId xmlns:a16="http://schemas.microsoft.com/office/drawing/2014/main" id="{266082B2-A66C-46EE-B338-D632043C6D21}"/>
+              </a:ext>
+            </a:extLst>
+          </p:cNvPr>
+          <p:cNvSpPr>
+            <a:spLocks noGrp="1"/>
+          </p:cNvSpPr>
+          <p:nvPr>
+            <p:ph type="title"/>
+          </p:nvPr>
+        </p:nvSpPr>
+        <p:spPr/>
+        <p:txBody>
+          <a:bodyPr/>
+          <a:lstStyle/>
+          <a:p>
+            <a:r>
+              <a:rPr lang="de-AT" dirty="0" err="1"/>
+              <a:t>Effort</a:t>
+            </a:r>
+            <a:endParaRPr lang="de-AT" dirty="0"/>
+          </a:p>
+        </p:txBody>
+      </p:sp>
+      <p:sp>
+        <p:nvSpPr>
+          <p:cNvPr id="3" name="Inhaltsplatzhalter 2">
+            <a:extLst>
+              <a:ext uri="{FF2B5EF4-FFF2-40B4-BE49-F238E27FC236}">
+                <a16:creationId xmlns:a16="http://schemas.microsoft.com/office/drawing/2014/main" id="{E89C069F-2610-4BBF-B506-223AFB73BEA1}"/>
+              </a:ext>
+            </a:extLst>
+          </p:cNvPr>
+          <p:cNvSpPr>
+            <a:spLocks noGrp="1"/>
+          </p:cNvSpPr>
+          <p:nvPr>
+            <p:ph idx="1"/>
+          </p:nvPr>
+        </p:nvSpPr>
+        <p:spPr/>
+        <p:txBody>
+          <a:bodyPr/>
+          <a:lstStyle/>
+          <a:p>
+            <a:endParaRPr lang="de-AT" dirty="0"/>
+          </a:p>
+        </p:txBody>
+      </p:sp>
+      <p:sp>
+        <p:nvSpPr>
+          <p:cNvPr id="4" name="Foliennummernplatzhalter 3">
+            <a:extLst>
+              <a:ext uri="{FF2B5EF4-FFF2-40B4-BE49-F238E27FC236}">
+                <a16:creationId xmlns:a16="http://schemas.microsoft.com/office/drawing/2014/main" id="{DB221FD7-47E2-4EAD-8C94-1D453BDC7A00}"/>
+              </a:ext>
+            </a:extLst>
+          </p:cNvPr>
+          <p:cNvSpPr>
+            <a:spLocks noGrp="1"/>
+          </p:cNvSpPr>
+          <p:nvPr>
+            <p:ph type="sldNum" sz="quarter" idx="10"/>
+          </p:nvPr>
+        </p:nvSpPr>
+        <p:spPr/>
+        <p:txBody>
+          <a:bodyPr/>
+          <a:lstStyle/>
+          <a:p>
+            <a:endParaRPr lang="de-AT" altLang="de-DE"/>
+          </a:p>
+          <a:p>
+            <a:fld id="{64A983DF-E22B-4854-9BA7-058747C98AE2}" type="slidenum">
+              <a:rPr lang="de-AT" altLang="de-DE" sz="800" smtClean="0">
+                <a:solidFill>
+                  <a:srgbClr val="626B71"/>
+                </a:solidFill>
+              </a:rPr>
+              <a:pPr/>
+              <a:t>10</a:t>
+            </a:fld>
+            <a:endParaRPr lang="de-AT" altLang="de-DE" sz="800">
+              <a:solidFill>
+                <a:srgbClr val="626B71"/>
+              </a:solidFill>
+            </a:endParaRPr>
+          </a:p>
+        </p:txBody>
+      </p:sp>
+      <p:sp>
+        <p:nvSpPr>
+          <p:cNvPr id="5" name="Fußzeilenplatzhalter 4">
+            <a:extLst>
+              <a:ext uri="{FF2B5EF4-FFF2-40B4-BE49-F238E27FC236}">
+                <a16:creationId xmlns:a16="http://schemas.microsoft.com/office/drawing/2014/main" id="{AFCE62DD-7A0E-45BF-A788-714CDB2B34E4}"/>
+              </a:ext>
+            </a:extLst>
+          </p:cNvPr>
+          <p:cNvSpPr>
+            <a:spLocks noGrp="1"/>
+          </p:cNvSpPr>
+          <p:nvPr>
+            <p:ph type="ftr" sz="quarter" idx="11"/>
+          </p:nvPr>
+        </p:nvSpPr>
+        <p:spPr/>
+        <p:txBody>
+          <a:bodyPr/>
+          <a:lstStyle/>
+          <a:p>
+            <a:pPr>
+              <a:defRPr/>
+            </a:pPr>
+            <a:r>
+              <a:rPr lang="de-AT" altLang="de-DE"/>
+              <a:t> © UAS Technikum Wien </a:t>
+            </a:r>
+          </a:p>
+        </p:txBody>
+      </p:sp>
+    </p:spTree>
+    <p:extLst>
+      <p:ext uri="{BB962C8B-B14F-4D97-AF65-F5344CB8AC3E}">
+        <p14:creationId xmlns:p14="http://schemas.microsoft.com/office/powerpoint/2010/main" val="4074278417"/>
+      </p:ext>
+    </p:extLst>
+  </p:cSld>
+  <p:clrMapOvr>
+    <a:masterClrMapping/>
+  </p:clrMapOvr>
+</p:sld>
+</file>
+
+<file path=ppt/slides/slide11.xml><?xml version="1.0" encoding="utf-8"?>
+<p:sld xmlns:a="http://schemas.openxmlformats.org/drawingml/2006/main" xmlns:r="http://schemas.openxmlformats.org/officeDocument/2006/relationships" xmlns:p="http://schemas.openxmlformats.org/presentationml/2006/main">
+  <p:cSld>
+    <p:spTree>
+      <p:nvGrpSpPr>
+        <p:cNvPr id="1" name=""/>
+        <p:cNvGrpSpPr/>
+        <p:nvPr/>
+      </p:nvGrpSpPr>
+      <p:grpSpPr>
+        <a:xfrm>
+          <a:off x="0" y="0"/>
+          <a:ext cx="0" cy="0"/>
+          <a:chOff x="0" y="0"/>
+          <a:chExt cx="0" cy="0"/>
+        </a:xfrm>
+      </p:grpSpPr>
+      <p:sp>
+        <p:nvSpPr>
+          <p:cNvPr id="2" name="Titel 1">
+            <a:extLst>
+              <a:ext uri="{FF2B5EF4-FFF2-40B4-BE49-F238E27FC236}">
                 <a16:creationId xmlns:a16="http://schemas.microsoft.com/office/drawing/2014/main" id="{6EDA94FC-9091-46A4-A011-5B6D9D6ED418}"/>
               </a:ext>
             </a:extLst>
@@ -2792,7 +2954,7 @@
                 </a:solidFill>
               </a:rPr>
               <a:pPr/>
-              <a:t>10</a:t>
+              <a:t>11</a:t>
             </a:fld>
             <a:endParaRPr lang="de-AT" altLang="de-DE" sz="800">
               <a:solidFill>
@@ -4437,7 +4599,7 @@
             </a:r>
             <a:r>
               <a:rPr lang="de-AT" dirty="0"/>
-              <a:t>?</a:t>
+              <a:t>? - Skills</a:t>
             </a:r>
           </a:p>
         </p:txBody>
@@ -4587,7 +4749,7 @@
           <p:cNvPr id="2" name="Titel 1">
             <a:extLst>
               <a:ext uri="{FF2B5EF4-FFF2-40B4-BE49-F238E27FC236}">
-                <a16:creationId xmlns:a16="http://schemas.microsoft.com/office/drawing/2014/main" id="{30143DC6-7B3C-4CBD-9488-EDCE430C5264}"/>
+                <a16:creationId xmlns:a16="http://schemas.microsoft.com/office/drawing/2014/main" id="{70B239F7-DFCB-41DA-84D4-19CEC1FFB8E7}"/>
               </a:ext>
             </a:extLst>
           </p:cNvPr>
@@ -4605,7 +4767,7 @@
           <a:p>
             <a:r>
               <a:rPr lang="de-AT" dirty="0" err="1"/>
-              <a:t>Lessons</a:t>
+              <a:t>How</a:t>
             </a:r>
             <a:r>
               <a:rPr lang="de-AT" dirty="0"/>
@@ -4613,71 +4775,7 @@
             </a:r>
             <a:r>
               <a:rPr lang="de-AT" dirty="0" err="1"/>
-              <a:t>Learned</a:t>
-            </a:r>
-            <a:endParaRPr lang="de-AT" dirty="0"/>
-          </a:p>
-        </p:txBody>
-      </p:sp>
-      <p:sp>
-        <p:nvSpPr>
-          <p:cNvPr id="3" name="Inhaltsplatzhalter 2">
-            <a:extLst>
-              <a:ext uri="{FF2B5EF4-FFF2-40B4-BE49-F238E27FC236}">
-                <a16:creationId xmlns:a16="http://schemas.microsoft.com/office/drawing/2014/main" id="{B4EE128C-1B2A-47CE-96F0-97E7A442A905}"/>
-              </a:ext>
-            </a:extLst>
-          </p:cNvPr>
-          <p:cNvSpPr>
-            <a:spLocks noGrp="1"/>
-          </p:cNvSpPr>
-          <p:nvPr>
-            <p:ph idx="1"/>
-          </p:nvPr>
-        </p:nvSpPr>
-        <p:spPr/>
-        <p:txBody>
-          <a:bodyPr/>
-          <a:lstStyle/>
-          <a:p>
-            <a:pPr>
-              <a:lnSpc>
-                <a:spcPct val="150000"/>
-              </a:lnSpc>
-            </a:pPr>
-            <a:r>
-              <a:rPr lang="de-AT" dirty="0" err="1"/>
-              <a:t>Developing</a:t>
-            </a:r>
-            <a:r>
-              <a:rPr lang="de-AT" dirty="0"/>
-              <a:t> Amazon Services</a:t>
-            </a:r>
-          </a:p>
-          <a:p>
-            <a:pPr lvl="1">
-              <a:lnSpc>
-                <a:spcPct val="150000"/>
-              </a:lnSpc>
-            </a:pPr>
-            <a:r>
-              <a:rPr lang="de-AT" dirty="0"/>
-              <a:t>Skills, SQS, SNS, Lambda</a:t>
-            </a:r>
-          </a:p>
-          <a:p>
-            <a:pPr>
-              <a:lnSpc>
-                <a:spcPct val="150000"/>
-              </a:lnSpc>
-            </a:pPr>
-            <a:r>
-              <a:rPr lang="de-AT" dirty="0"/>
-              <a:t>New </a:t>
-            </a:r>
-            <a:r>
-              <a:rPr lang="de-AT" dirty="0" err="1"/>
-              <a:t>programming</a:t>
+              <a:t>does</a:t>
             </a:r>
             <a:r>
               <a:rPr lang="de-AT" dirty="0"/>
@@ -4685,60 +4783,20 @@
             </a:r>
             <a:r>
               <a:rPr lang="de-AT" dirty="0" err="1"/>
-              <a:t>languages</a:t>
-            </a:r>
-            <a:endParaRPr lang="de-AT" dirty="0"/>
-          </a:p>
-          <a:p>
-            <a:pPr lvl="1">
-              <a:lnSpc>
-                <a:spcPct val="150000"/>
-              </a:lnSpc>
-            </a:pPr>
+              <a:t>it</a:t>
+            </a:r>
             <a:r>
               <a:rPr lang="de-AT" dirty="0"/>
-              <a:t>C#</a:t>
-            </a:r>
-          </a:p>
-          <a:p>
-            <a:pPr lvl="1">
-              <a:lnSpc>
-                <a:spcPct val="150000"/>
-              </a:lnSpc>
-            </a:pPr>
+              <a:t> </a:t>
+            </a:r>
+            <a:r>
+              <a:rPr lang="de-AT" dirty="0" err="1"/>
+              <a:t>work</a:t>
+            </a:r>
             <a:r>
               <a:rPr lang="de-AT" dirty="0"/>
-              <a:t>JavaScript</a:t>
-            </a:r>
-          </a:p>
-          <a:p>
-            <a:pPr>
-              <a:lnSpc>
-                <a:spcPct val="150000"/>
-              </a:lnSpc>
-            </a:pPr>
-            <a:r>
-              <a:rPr lang="de-AT" dirty="0"/>
-              <a:t>Interface Communication</a:t>
-            </a:r>
-          </a:p>
-          <a:p>
-            <a:pPr>
-              <a:lnSpc>
-                <a:spcPct val="150000"/>
-              </a:lnSpc>
-            </a:pPr>
-            <a:r>
-              <a:rPr lang="de-AT" dirty="0" err="1"/>
-              <a:t>Projectmanagement</a:t>
-            </a:r>
-            <a:endParaRPr lang="de-AT" dirty="0"/>
-          </a:p>
-          <a:p>
-            <a:endParaRPr lang="de-AT" dirty="0"/>
-          </a:p>
-          <a:p>
-            <a:endParaRPr lang="de-AT" dirty="0"/>
+              <a:t>? - C#</a:t>
+            </a:r>
           </a:p>
         </p:txBody>
       </p:sp>
@@ -4747,7 +4805,7 @@
           <p:cNvPr id="4" name="Foliennummernplatzhalter 3">
             <a:extLst>
               <a:ext uri="{FF2B5EF4-FFF2-40B4-BE49-F238E27FC236}">
-                <a16:creationId xmlns:a16="http://schemas.microsoft.com/office/drawing/2014/main" id="{81802374-AEE4-42C2-A34A-84A58938503D}"/>
+                <a16:creationId xmlns:a16="http://schemas.microsoft.com/office/drawing/2014/main" id="{0046D862-62E3-4C18-B353-390A0E18F394}"/>
               </a:ext>
             </a:extLst>
           </p:cNvPr>
@@ -4788,7 +4846,7 @@
           <p:cNvPr id="5" name="Fußzeilenplatzhalter 4">
             <a:extLst>
               <a:ext uri="{FF2B5EF4-FFF2-40B4-BE49-F238E27FC236}">
-                <a16:creationId xmlns:a16="http://schemas.microsoft.com/office/drawing/2014/main" id="{B17DA45E-0F8A-497C-A599-048B78B1B461}"/>
+                <a16:creationId xmlns:a16="http://schemas.microsoft.com/office/drawing/2014/main" id="{F53D3563-2888-4569-B7C5-82C52339BF29}"/>
               </a:ext>
             </a:extLst>
           </p:cNvPr>
@@ -4814,10 +4872,42 @@
           </a:p>
         </p:txBody>
       </p:sp>
+      <p:pic>
+        <p:nvPicPr>
+          <p:cNvPr id="11" name="Inhaltsplatzhalter 10">
+            <a:extLst>
+              <a:ext uri="{FF2B5EF4-FFF2-40B4-BE49-F238E27FC236}">
+                <a16:creationId xmlns:a16="http://schemas.microsoft.com/office/drawing/2014/main" id="{322AD13D-61D5-4184-BA58-968C36292899}"/>
+              </a:ext>
+            </a:extLst>
+          </p:cNvPr>
+          <p:cNvPicPr>
+            <a:picLocks noGrp="1" noChangeAspect="1"/>
+          </p:cNvPicPr>
+          <p:nvPr>
+            <p:ph idx="1"/>
+          </p:nvPr>
+        </p:nvPicPr>
+        <p:blipFill>
+          <a:blip r:embed="rId2"/>
+          <a:stretch>
+            <a:fillRect/>
+          </a:stretch>
+        </p:blipFill>
+        <p:spPr>
+          <a:xfrm>
+            <a:off x="119177" y="2564904"/>
+            <a:ext cx="8905645" cy="2444517"/>
+          </a:xfrm>
+          <a:prstGeom prst="rect">
+            <a:avLst/>
+          </a:prstGeom>
+        </p:spPr>
+      </p:pic>
     </p:spTree>
     <p:extLst>
       <p:ext uri="{BB962C8B-B14F-4D97-AF65-F5344CB8AC3E}">
-        <p14:creationId xmlns:p14="http://schemas.microsoft.com/office/powerpoint/2010/main" val="4131026920"/>
+        <p14:creationId xmlns:p14="http://schemas.microsoft.com/office/powerpoint/2010/main" val="3554799005"/>
       </p:ext>
     </p:extLst>
   </p:cSld>
@@ -4849,7 +4939,7 @@
           <p:cNvPr id="2" name="Titel 1">
             <a:extLst>
               <a:ext uri="{FF2B5EF4-FFF2-40B4-BE49-F238E27FC236}">
-                <a16:creationId xmlns:a16="http://schemas.microsoft.com/office/drawing/2014/main" id="{266082B2-A66C-46EE-B338-D632043C6D21}"/>
+                <a16:creationId xmlns:a16="http://schemas.microsoft.com/office/drawing/2014/main" id="{30143DC6-7B3C-4CBD-9488-EDCE430C5264}"/>
               </a:ext>
             </a:extLst>
           </p:cNvPr>
@@ -4867,7 +4957,15 @@
           <a:p>
             <a:r>
               <a:rPr lang="de-AT" dirty="0" err="1"/>
-              <a:t>Effort</a:t>
+              <a:t>Lessons</a:t>
+            </a:r>
+            <a:r>
+              <a:rPr lang="de-AT" dirty="0"/>
+              <a:t> </a:t>
+            </a:r>
+            <a:r>
+              <a:rPr lang="de-AT" dirty="0" err="1"/>
+              <a:t>Learned</a:t>
             </a:r>
             <a:endParaRPr lang="de-AT" dirty="0"/>
           </a:p>
@@ -4878,7 +4976,7 @@
           <p:cNvPr id="3" name="Inhaltsplatzhalter 2">
             <a:extLst>
               <a:ext uri="{FF2B5EF4-FFF2-40B4-BE49-F238E27FC236}">
-                <a16:creationId xmlns:a16="http://schemas.microsoft.com/office/drawing/2014/main" id="{E89C069F-2610-4BBF-B506-223AFB73BEA1}"/>
+                <a16:creationId xmlns:a16="http://schemas.microsoft.com/office/drawing/2014/main" id="{B4EE128C-1B2A-47CE-96F0-97E7A442A905}"/>
               </a:ext>
             </a:extLst>
           </p:cNvPr>
@@ -4894,6 +4992,104 @@
           <a:bodyPr/>
           <a:lstStyle/>
           <a:p>
+            <a:pPr>
+              <a:lnSpc>
+                <a:spcPct val="150000"/>
+              </a:lnSpc>
+            </a:pPr>
+            <a:r>
+              <a:rPr lang="de-AT" dirty="0" err="1"/>
+              <a:t>Developing</a:t>
+            </a:r>
+            <a:r>
+              <a:rPr lang="de-AT" dirty="0"/>
+              <a:t> Amazon Services</a:t>
+            </a:r>
+          </a:p>
+          <a:p>
+            <a:pPr lvl="1">
+              <a:lnSpc>
+                <a:spcPct val="150000"/>
+              </a:lnSpc>
+            </a:pPr>
+            <a:r>
+              <a:rPr lang="de-AT" dirty="0"/>
+              <a:t>Skills, SQS, SNS, Lambda</a:t>
+            </a:r>
+          </a:p>
+          <a:p>
+            <a:pPr>
+              <a:lnSpc>
+                <a:spcPct val="150000"/>
+              </a:lnSpc>
+            </a:pPr>
+            <a:r>
+              <a:rPr lang="de-AT" dirty="0"/>
+              <a:t>New </a:t>
+            </a:r>
+            <a:r>
+              <a:rPr lang="de-AT" dirty="0" err="1"/>
+              <a:t>programming</a:t>
+            </a:r>
+            <a:r>
+              <a:rPr lang="de-AT" dirty="0"/>
+              <a:t> </a:t>
+            </a:r>
+            <a:r>
+              <a:rPr lang="de-AT" dirty="0" err="1"/>
+              <a:t>languages</a:t>
+            </a:r>
+            <a:endParaRPr lang="de-AT" dirty="0"/>
+          </a:p>
+          <a:p>
+            <a:pPr lvl="1">
+              <a:lnSpc>
+                <a:spcPct val="150000"/>
+              </a:lnSpc>
+            </a:pPr>
+            <a:r>
+              <a:rPr lang="de-AT" dirty="0"/>
+              <a:t>C#</a:t>
+            </a:r>
+          </a:p>
+          <a:p>
+            <a:pPr lvl="1">
+              <a:lnSpc>
+                <a:spcPct val="150000"/>
+              </a:lnSpc>
+            </a:pPr>
+            <a:r>
+              <a:rPr lang="de-AT" dirty="0"/>
+              <a:t>JavaScript</a:t>
+            </a:r>
+          </a:p>
+          <a:p>
+            <a:pPr>
+              <a:lnSpc>
+                <a:spcPct val="150000"/>
+              </a:lnSpc>
+            </a:pPr>
+            <a:r>
+              <a:rPr lang="de-AT" dirty="0"/>
+              <a:t>Interface Communication</a:t>
+            </a:r>
+          </a:p>
+          <a:p>
+            <a:pPr>
+              <a:lnSpc>
+                <a:spcPct val="150000"/>
+              </a:lnSpc>
+            </a:pPr>
+            <a:r>
+              <a:rPr lang="de-AT" dirty="0" err="1"/>
+              <a:t>Projectmanagement</a:t>
+            </a:r>
+            <a:endParaRPr lang="de-AT" dirty="0"/>
+          </a:p>
+          <a:p>
+            <a:endParaRPr lang="de-AT" dirty="0"/>
+          </a:p>
+          <a:p>
             <a:endParaRPr lang="de-AT" dirty="0"/>
           </a:p>
         </p:txBody>
@@ -4903,7 +5099,7 @@
           <p:cNvPr id="4" name="Foliennummernplatzhalter 3">
             <a:extLst>
               <a:ext uri="{FF2B5EF4-FFF2-40B4-BE49-F238E27FC236}">
-                <a16:creationId xmlns:a16="http://schemas.microsoft.com/office/drawing/2014/main" id="{DB221FD7-47E2-4EAD-8C94-1D453BDC7A00}"/>
+                <a16:creationId xmlns:a16="http://schemas.microsoft.com/office/drawing/2014/main" id="{81802374-AEE4-42C2-A34A-84A58938503D}"/>
               </a:ext>
             </a:extLst>
           </p:cNvPr>
@@ -4944,7 +5140,7 @@
           <p:cNvPr id="5" name="Fußzeilenplatzhalter 4">
             <a:extLst>
               <a:ext uri="{FF2B5EF4-FFF2-40B4-BE49-F238E27FC236}">
-                <a16:creationId xmlns:a16="http://schemas.microsoft.com/office/drawing/2014/main" id="{AFCE62DD-7A0E-45BF-A788-714CDB2B34E4}"/>
+                <a16:creationId xmlns:a16="http://schemas.microsoft.com/office/drawing/2014/main" id="{B17DA45E-0F8A-497C-A599-048B78B1B461}"/>
               </a:ext>
             </a:extLst>
           </p:cNvPr>
@@ -4973,7 +5169,7 @@
     </p:spTree>
     <p:extLst>
       <p:ext uri="{BB962C8B-B14F-4D97-AF65-F5344CB8AC3E}">
-        <p14:creationId xmlns:p14="http://schemas.microsoft.com/office/powerpoint/2010/main" val="4074278417"/>
+        <p14:creationId xmlns:p14="http://schemas.microsoft.com/office/powerpoint/2010/main" val="4131026920"/>
       </p:ext>
     </p:extLst>
   </p:cSld>
